--- a/Output/FinalPresentation_ENV872.pptx
+++ b/Output/FinalPresentation_ENV872.pptx
@@ -5,7 +5,7 @@
     <p:sldMasterId id="2147483648" r:id="rId1"/>
   </p:sldMasterIdLst>
   <p:notesMasterIdLst>
-    <p:notesMasterId r:id="rId18"/>
+    <p:notesMasterId r:id="rId19"/>
   </p:notesMasterIdLst>
   <p:sldIdLst>
     <p:sldId id="256" r:id="rId2"/>
@@ -18,12 +18,13 @@
     <p:sldId id="259" r:id="rId9"/>
     <p:sldId id="267" r:id="rId10"/>
     <p:sldId id="268" r:id="rId11"/>
-    <p:sldId id="269" r:id="rId12"/>
-    <p:sldId id="270" r:id="rId13"/>
-    <p:sldId id="271" r:id="rId14"/>
-    <p:sldId id="272" r:id="rId15"/>
-    <p:sldId id="260" r:id="rId16"/>
-    <p:sldId id="257" r:id="rId17"/>
+    <p:sldId id="273" r:id="rId12"/>
+    <p:sldId id="269" r:id="rId13"/>
+    <p:sldId id="270" r:id="rId14"/>
+    <p:sldId id="271" r:id="rId15"/>
+    <p:sldId id="272" r:id="rId16"/>
+    <p:sldId id="260" r:id="rId17"/>
+    <p:sldId id="257" r:id="rId18"/>
   </p:sldIdLst>
   <p:sldSz cx="12192000" cy="6858000"/>
   <p:notesSz cx="6858000" cy="9144000"/>
@@ -122,6 +123,11 @@
       </a:defRPr>
     </a:lvl9pPr>
   </p:defaultTextStyle>
+  <p:extLst>
+    <p:ext uri="{EFAFB233-063F-42B5-8137-9DF3F51BA10A}">
+      <p15:sldGuideLst xmlns:p15="http://schemas.microsoft.com/office/powerpoint/2012/main"/>
+    </p:ext>
+  </p:extLst>
 </p:presentation>
 </file>
 
@@ -207,7 +213,7 @@
           <a:p>
             <a:fld id="{9BE85FDD-101D-4765-858A-8C33D7A14F90}" type="datetimeFigureOut">
               <a:rPr lang="en-US" smtClean="0"/>
-              <a:t>4/25/2021</a:t>
+              <a:t>4/26/2021</a:t>
             </a:fld>
             <a:endParaRPr lang="en-US"/>
           </a:p>
@@ -561,6 +567,94 @@
 </p:notes>
 </file>
 
+<file path=ppt/notesSlides/notesSlide2.xml><?xml version="1.0" encoding="utf-8"?>
+<p:notes xmlns:a="http://schemas.openxmlformats.org/drawingml/2006/main" xmlns:r="http://schemas.openxmlformats.org/officeDocument/2006/relationships" xmlns:p="http://schemas.openxmlformats.org/presentationml/2006/main">
+  <p:cSld>
+    <p:spTree>
+      <p:nvGrpSpPr>
+        <p:cNvPr id="1" name=""/>
+        <p:cNvGrpSpPr/>
+        <p:nvPr/>
+      </p:nvGrpSpPr>
+      <p:grpSpPr>
+        <a:xfrm>
+          <a:off x="0" y="0"/>
+          <a:ext cx="0" cy="0"/>
+          <a:chOff x="0" y="0"/>
+          <a:chExt cx="0" cy="0"/>
+        </a:xfrm>
+      </p:grpSpPr>
+      <p:sp>
+        <p:nvSpPr>
+          <p:cNvPr id="2" name="幻灯片图像占位符 1"/>
+          <p:cNvSpPr>
+            <a:spLocks noGrp="1" noRot="1" noChangeAspect="1"/>
+          </p:cNvSpPr>
+          <p:nvPr>
+            <p:ph type="sldImg"/>
+          </p:nvPr>
+        </p:nvSpPr>
+        <p:spPr/>
+      </p:sp>
+      <p:sp>
+        <p:nvSpPr>
+          <p:cNvPr id="3" name="备注占位符 2"/>
+          <p:cNvSpPr>
+            <a:spLocks noGrp="1"/>
+          </p:cNvSpPr>
+          <p:nvPr>
+            <p:ph type="body" idx="1"/>
+          </p:nvPr>
+        </p:nvSpPr>
+        <p:spPr/>
+        <p:txBody>
+          <a:bodyPr/>
+          <a:lstStyle/>
+          <a:p>
+            <a:r>
+              <a:rPr lang="en-US" altLang="zh-CN" dirty="0"/>
+              <a:t>Data wrangling before conducting spatial analysis</a:t>
+            </a:r>
+            <a:endParaRPr lang="zh-CN" altLang="en-US" dirty="0"/>
+          </a:p>
+        </p:txBody>
+      </p:sp>
+      <p:sp>
+        <p:nvSpPr>
+          <p:cNvPr id="4" name="灯片编号占位符 3"/>
+          <p:cNvSpPr>
+            <a:spLocks noGrp="1"/>
+          </p:cNvSpPr>
+          <p:nvPr>
+            <p:ph type="sldNum" sz="quarter" idx="5"/>
+          </p:nvPr>
+        </p:nvSpPr>
+        <p:spPr/>
+        <p:txBody>
+          <a:bodyPr/>
+          <a:lstStyle/>
+          <a:p>
+            <a:fld id="{0F5DF2C0-638F-44E5-83D7-2BA71746E3F2}" type="slidenum">
+              <a:rPr lang="en-US" smtClean="0"/>
+              <a:t>10</a:t>
+            </a:fld>
+            <a:endParaRPr lang="en-US"/>
+          </a:p>
+        </p:txBody>
+      </p:sp>
+    </p:spTree>
+    <p:extLst>
+      <p:ext uri="{BB962C8B-B14F-4D97-AF65-F5344CB8AC3E}">
+        <p14:creationId xmlns:p14="http://schemas.microsoft.com/office/powerpoint/2010/main" val="1524980346"/>
+      </p:ext>
+    </p:extLst>
+  </p:cSld>
+  <p:clrMapOvr>
+    <a:masterClrMapping/>
+  </p:clrMapOvr>
+</p:notes>
+</file>
+
 <file path=ppt/slideLayouts/slideLayout1.xml><?xml version="1.0" encoding="utf-8"?>
 <p:sldLayout xmlns:a="http://schemas.openxmlformats.org/drawingml/2006/main" xmlns:r="http://schemas.openxmlformats.org/officeDocument/2006/relationships" xmlns:p="http://schemas.openxmlformats.org/presentationml/2006/main" type="title" preserve="1">
   <p:cSld name="Title Slide">
@@ -708,7 +802,7 @@
           <a:p>
             <a:fld id="{EB803C5D-2C05-4CAB-9527-7B7DC9B77ED0}" type="datetimeFigureOut">
               <a:rPr lang="en-US" smtClean="0"/>
-              <a:t>4/25/2021</a:t>
+              <a:t>4/26/2021</a:t>
             </a:fld>
             <a:endParaRPr lang="en-US"/>
           </a:p>
@@ -906,7 +1000,7 @@
           <a:p>
             <a:fld id="{EB803C5D-2C05-4CAB-9527-7B7DC9B77ED0}" type="datetimeFigureOut">
               <a:rPr lang="en-US" smtClean="0"/>
-              <a:t>4/25/2021</a:t>
+              <a:t>4/26/2021</a:t>
             </a:fld>
             <a:endParaRPr lang="en-US"/>
           </a:p>
@@ -1114,7 +1208,7 @@
           <a:p>
             <a:fld id="{EB803C5D-2C05-4CAB-9527-7B7DC9B77ED0}" type="datetimeFigureOut">
               <a:rPr lang="en-US" smtClean="0"/>
-              <a:t>4/25/2021</a:t>
+              <a:t>4/26/2021</a:t>
             </a:fld>
             <a:endParaRPr lang="en-US"/>
           </a:p>
@@ -1312,7 +1406,7 @@
           <a:p>
             <a:fld id="{EB803C5D-2C05-4CAB-9527-7B7DC9B77ED0}" type="datetimeFigureOut">
               <a:rPr lang="en-US" smtClean="0"/>
-              <a:t>4/25/2021</a:t>
+              <a:t>4/26/2021</a:t>
             </a:fld>
             <a:endParaRPr lang="en-US"/>
           </a:p>
@@ -1587,7 +1681,7 @@
           <a:p>
             <a:fld id="{EB803C5D-2C05-4CAB-9527-7B7DC9B77ED0}" type="datetimeFigureOut">
               <a:rPr lang="en-US" smtClean="0"/>
-              <a:t>4/25/2021</a:t>
+              <a:t>4/26/2021</a:t>
             </a:fld>
             <a:endParaRPr lang="en-US"/>
           </a:p>
@@ -1852,7 +1946,7 @@
           <a:p>
             <a:fld id="{EB803C5D-2C05-4CAB-9527-7B7DC9B77ED0}" type="datetimeFigureOut">
               <a:rPr lang="en-US" smtClean="0"/>
-              <a:t>4/25/2021</a:t>
+              <a:t>4/26/2021</a:t>
             </a:fld>
             <a:endParaRPr lang="en-US"/>
           </a:p>
@@ -2264,7 +2358,7 @@
           <a:p>
             <a:fld id="{EB803C5D-2C05-4CAB-9527-7B7DC9B77ED0}" type="datetimeFigureOut">
               <a:rPr lang="en-US" smtClean="0"/>
-              <a:t>4/25/2021</a:t>
+              <a:t>4/26/2021</a:t>
             </a:fld>
             <a:endParaRPr lang="en-US"/>
           </a:p>
@@ -2405,7 +2499,7 @@
           <a:p>
             <a:fld id="{EB803C5D-2C05-4CAB-9527-7B7DC9B77ED0}" type="datetimeFigureOut">
               <a:rPr lang="en-US" smtClean="0"/>
-              <a:t>4/25/2021</a:t>
+              <a:t>4/26/2021</a:t>
             </a:fld>
             <a:endParaRPr lang="en-US"/>
           </a:p>
@@ -2518,7 +2612,7 @@
           <a:p>
             <a:fld id="{EB803C5D-2C05-4CAB-9527-7B7DC9B77ED0}" type="datetimeFigureOut">
               <a:rPr lang="en-US" smtClean="0"/>
-              <a:t>4/25/2021</a:t>
+              <a:t>4/26/2021</a:t>
             </a:fld>
             <a:endParaRPr lang="en-US"/>
           </a:p>
@@ -2829,7 +2923,7 @@
           <a:p>
             <a:fld id="{EB803C5D-2C05-4CAB-9527-7B7DC9B77ED0}" type="datetimeFigureOut">
               <a:rPr lang="en-US" smtClean="0"/>
-              <a:t>4/25/2021</a:t>
+              <a:t>4/26/2021</a:t>
             </a:fld>
             <a:endParaRPr lang="en-US"/>
           </a:p>
@@ -3117,7 +3211,7 @@
           <a:p>
             <a:fld id="{EB803C5D-2C05-4CAB-9527-7B7DC9B77ED0}" type="datetimeFigureOut">
               <a:rPr lang="en-US" smtClean="0"/>
-              <a:t>4/25/2021</a:t>
+              <a:t>4/26/2021</a:t>
             </a:fld>
             <a:endParaRPr lang="en-US"/>
           </a:p>
@@ -3358,7 +3452,7 @@
           <a:p>
             <a:fld id="{EB803C5D-2C05-4CAB-9527-7B7DC9B77ED0}" type="datetimeFigureOut">
               <a:rPr lang="en-US" smtClean="0"/>
-              <a:t>4/25/2021</a:t>
+              <a:t>4/26/2021</a:t>
             </a:fld>
             <a:endParaRPr lang="en-US"/>
           </a:p>
@@ -4479,10 +4573,10 @@
       </p:grpSpPr>
       <p:pic>
         <p:nvPicPr>
-          <p:cNvPr id="3" name="Picture 2" descr="A picture containing sky, outdoor, sunset&#10;&#10;Description automatically generated">
+          <p:cNvPr id="6" name="图片 5">
             <a:extLst>
               <a:ext uri="{FF2B5EF4-FFF2-40B4-BE49-F238E27FC236}">
-                <a16:creationId xmlns:a16="http://schemas.microsoft.com/office/drawing/2014/main" id="{C2217704-6B34-404F-B085-B52655EBF94C}"/>
+                <a16:creationId xmlns:a16="http://schemas.microsoft.com/office/drawing/2014/main" id="{EC91E5D5-BC2A-4B17-B756-8AAC184A357D}"/>
               </a:ext>
             </a:extLst>
           </p:cNvPr>
@@ -4492,21 +4586,75 @@
           <p:nvPr/>
         </p:nvPicPr>
         <p:blipFill>
-          <a:blip r:embed="rId2">
-            <a:extLst>
-              <a:ext uri="{28A0092B-C50C-407E-A947-70E740481C1C}">
-                <a14:useLocalDpi xmlns:a14="http://schemas.microsoft.com/office/drawing/2010/main" val="0"/>
-              </a:ext>
-            </a:extLst>
-          </a:blip>
+          <a:blip r:embed="rId3"/>
           <a:stretch>
             <a:fillRect/>
           </a:stretch>
         </p:blipFill>
         <p:spPr>
           <a:xfrm>
-            <a:off x="4572000" y="1100138"/>
-            <a:ext cx="7620000" cy="5715000"/>
+            <a:off x="0" y="3417934"/>
+            <a:ext cx="6096000" cy="3440066"/>
+          </a:xfrm>
+          <a:prstGeom prst="rect">
+            <a:avLst/>
+          </a:prstGeom>
+        </p:spPr>
+      </p:pic>
+      <p:pic>
+        <p:nvPicPr>
+          <p:cNvPr id="8" name="图片 7">
+            <a:extLst>
+              <a:ext uri="{FF2B5EF4-FFF2-40B4-BE49-F238E27FC236}">
+                <a16:creationId xmlns:a16="http://schemas.microsoft.com/office/drawing/2014/main" id="{A768B026-6EFD-45BB-8905-6C79584E9552}"/>
+              </a:ext>
+            </a:extLst>
+          </p:cNvPr>
+          <p:cNvPicPr>
+            <a:picLocks noChangeAspect="1"/>
+          </p:cNvPicPr>
+          <p:nvPr/>
+        </p:nvPicPr>
+        <p:blipFill>
+          <a:blip r:embed="rId4"/>
+          <a:stretch>
+            <a:fillRect/>
+          </a:stretch>
+        </p:blipFill>
+        <p:spPr>
+          <a:xfrm>
+            <a:off x="6087023" y="-514"/>
+            <a:ext cx="6104977" cy="3440066"/>
+          </a:xfrm>
+          <a:prstGeom prst="rect">
+            <a:avLst/>
+          </a:prstGeom>
+        </p:spPr>
+      </p:pic>
+      <p:pic>
+        <p:nvPicPr>
+          <p:cNvPr id="10" name="图片 9">
+            <a:extLst>
+              <a:ext uri="{FF2B5EF4-FFF2-40B4-BE49-F238E27FC236}">
+                <a16:creationId xmlns:a16="http://schemas.microsoft.com/office/drawing/2014/main" id="{9F6B0617-2CD9-48DB-897E-C09827E75A1E}"/>
+              </a:ext>
+            </a:extLst>
+          </p:cNvPr>
+          <p:cNvPicPr>
+            <a:picLocks noChangeAspect="1"/>
+          </p:cNvPicPr>
+          <p:nvPr/>
+        </p:nvPicPr>
+        <p:blipFill>
+          <a:blip r:embed="rId5"/>
+          <a:stretch>
+            <a:fillRect/>
+          </a:stretch>
+        </p:blipFill>
+        <p:spPr>
+          <a:xfrm>
+            <a:off x="0" y="-514"/>
+            <a:ext cx="6087023" cy="3436304"/>
           </a:xfrm>
           <a:prstGeom prst="rect">
             <a:avLst/>
@@ -4515,51 +4663,307 @@
       </p:pic>
       <p:sp>
         <p:nvSpPr>
-          <p:cNvPr id="4" name="Title 3">
+          <p:cNvPr id="20" name="文本框 19">
             <a:extLst>
               <a:ext uri="{FF2B5EF4-FFF2-40B4-BE49-F238E27FC236}">
-                <a16:creationId xmlns:a16="http://schemas.microsoft.com/office/drawing/2014/main" id="{C34B72BE-C4E9-460A-8235-6B7630F7819F}"/>
+                <a16:creationId xmlns:a16="http://schemas.microsoft.com/office/drawing/2014/main" id="{5290AC28-FA00-4D98-9F0D-0822DB67A958}"/>
               </a:ext>
             </a:extLst>
           </p:cNvPr>
-          <p:cNvSpPr>
-            <a:spLocks noGrp="1"/>
-          </p:cNvSpPr>
-          <p:nvPr>
-            <p:ph type="title"/>
-          </p:nvPr>
+          <p:cNvSpPr txBox="1"/>
+          <p:nvPr/>
         </p:nvSpPr>
-        <p:spPr/>
+        <p:spPr>
+          <a:xfrm>
+            <a:off x="6087022" y="4155682"/>
+            <a:ext cx="6104977" cy="2126864"/>
+          </a:xfrm>
+          <a:prstGeom prst="rect">
+            <a:avLst/>
+          </a:prstGeom>
+          <a:noFill/>
+        </p:spPr>
         <p:txBody>
-          <a:bodyPr/>
+          <a:bodyPr wrap="square">
+            <a:spAutoFit/>
+          </a:bodyPr>
           <a:lstStyle/>
           <a:p>
-            <a:endParaRPr lang="en-US" dirty="0"/>
+            <a:pPr marL="285750" indent="-285750">
+              <a:buFont typeface="Wingdings" panose="05000000000000000000" pitchFamily="2" charset="2"/>
+              <a:buChar char="Ø"/>
+            </a:pPr>
+            <a:endParaRPr lang="en-US" altLang="zh-CN" dirty="0"/>
+          </a:p>
+          <a:p>
+            <a:r>
+              <a:rPr lang="en-US" altLang="zh-CN" dirty="0"/>
+              <a:t>The value of Light </a:t>
+            </a:r>
+            <a:r>
+              <a:rPr lang="en-US" altLang="zh-CN" sz="1800" dirty="0"/>
+              <a:t>radiance </a:t>
+            </a:r>
+            <a:r>
+              <a:rPr lang="en-US" altLang="zh-CN" dirty="0"/>
+              <a:t>for Florida’ counties (1993, 2003, 2013)</a:t>
+            </a:r>
+            <a:endParaRPr lang="en-US" altLang="zh-CN" sz="1800" dirty="0"/>
+          </a:p>
+          <a:p>
+            <a:pPr marL="285750" indent="-285750">
+              <a:lnSpc>
+                <a:spcPct val="150000"/>
+              </a:lnSpc>
+              <a:buFont typeface="Wingdings" panose="05000000000000000000" pitchFamily="2" charset="2"/>
+              <a:buChar char="Ø"/>
+            </a:pPr>
+            <a:r>
+              <a:rPr lang="en-US" altLang="zh-CN" b="1" dirty="0"/>
+              <a:t>Decreased</a:t>
+            </a:r>
+            <a:r>
+              <a:rPr lang="en-US" altLang="zh-CN" dirty="0"/>
+              <a:t> e.g., </a:t>
+            </a:r>
+            <a:r>
+              <a:rPr lang="zh-CN" altLang="en-US" dirty="0"/>
+              <a:t>Destin &amp; Anna Maria Island</a:t>
+            </a:r>
+            <a:endParaRPr lang="en-US" altLang="zh-CN" dirty="0"/>
+          </a:p>
+          <a:p>
+            <a:pPr marL="285750" indent="-285750">
+              <a:lnSpc>
+                <a:spcPct val="150000"/>
+              </a:lnSpc>
+              <a:buFont typeface="Wingdings" panose="05000000000000000000" pitchFamily="2" charset="2"/>
+              <a:buChar char="Ø"/>
+            </a:pPr>
+            <a:r>
+              <a:rPr lang="en-US" altLang="zh-CN" b="1" dirty="0"/>
+              <a:t>Increased</a:t>
+            </a:r>
+            <a:r>
+              <a:rPr lang="en-US" altLang="zh-CN" dirty="0"/>
+              <a:t> e.g., </a:t>
+            </a:r>
+            <a:r>
+              <a:rPr lang="zh-CN" altLang="en-US" dirty="0"/>
+              <a:t>Bay County &amp; Walton</a:t>
+            </a:r>
+            <a:endParaRPr lang="en-US" altLang="zh-CN" dirty="0"/>
+          </a:p>
+          <a:p>
+            <a:pPr marL="285750" indent="-285750">
+              <a:lnSpc>
+                <a:spcPct val="150000"/>
+              </a:lnSpc>
+              <a:buFont typeface="Wingdings" panose="05000000000000000000" pitchFamily="2" charset="2"/>
+              <a:buChar char="Ø"/>
+            </a:pPr>
+            <a:r>
+              <a:rPr lang="en-US" altLang="zh-CN" b="1" dirty="0"/>
+              <a:t>Almost unchanged </a:t>
+            </a:r>
+            <a:r>
+              <a:rPr lang="en-US" altLang="zh-CN" dirty="0"/>
+              <a:t>e.g., </a:t>
+            </a:r>
+            <a:r>
+              <a:rPr lang="zh-CN" altLang="en-US" dirty="0"/>
+              <a:t>G</a:t>
+            </a:r>
+            <a:r>
+              <a:rPr lang="en-US" altLang="zh-CN" dirty="0" err="1"/>
+              <a:t>ulf</a:t>
+            </a:r>
+            <a:r>
+              <a:rPr lang="zh-CN" altLang="en-US" dirty="0"/>
+              <a:t> C</a:t>
+            </a:r>
+            <a:r>
+              <a:rPr lang="en-US" altLang="zh-CN" dirty="0"/>
+              <a:t>o</a:t>
+            </a:r>
+            <a:r>
+              <a:rPr lang="zh-CN" altLang="en-US" dirty="0"/>
+              <a:t>unty &amp; Jacksonville beach</a:t>
+            </a:r>
+            <a:endParaRPr lang="en-US" altLang="zh-CN" dirty="0"/>
           </a:p>
         </p:txBody>
       </p:sp>
+      <p:cxnSp>
+        <p:nvCxnSpPr>
+          <p:cNvPr id="16" name="直接连接符 15">
+            <a:extLst>
+              <a:ext uri="{FF2B5EF4-FFF2-40B4-BE49-F238E27FC236}">
+                <a16:creationId xmlns:a16="http://schemas.microsoft.com/office/drawing/2014/main" id="{63F36A77-B460-4736-B017-6C387903F44C}"/>
+              </a:ext>
+            </a:extLst>
+          </p:cNvPr>
+          <p:cNvCxnSpPr>
+            <a:cxnSpLocks/>
+          </p:cNvCxnSpPr>
+          <p:nvPr/>
+        </p:nvCxnSpPr>
+        <p:spPr>
+          <a:xfrm>
+            <a:off x="1364566" y="3559126"/>
+            <a:ext cx="5514536" cy="1578841"/>
+          </a:xfrm>
+          <a:prstGeom prst="line">
+            <a:avLst/>
+          </a:prstGeom>
+          <a:ln w="19050">
+            <a:solidFill>
+              <a:srgbClr val="FF0000"/>
+            </a:solidFill>
+          </a:ln>
+        </p:spPr>
+        <p:style>
+          <a:lnRef idx="1">
+            <a:schemeClr val="accent2"/>
+          </a:lnRef>
+          <a:fillRef idx="0">
+            <a:schemeClr val="accent2"/>
+          </a:fillRef>
+          <a:effectRef idx="0">
+            <a:schemeClr val="accent2"/>
+          </a:effectRef>
+          <a:fontRef idx="minor">
+            <a:schemeClr val="tx1"/>
+          </a:fontRef>
+        </p:style>
+      </p:cxnSp>
+      <p:cxnSp>
+        <p:nvCxnSpPr>
+          <p:cNvPr id="22" name="直接连接符 21">
+            <a:extLst>
+              <a:ext uri="{FF2B5EF4-FFF2-40B4-BE49-F238E27FC236}">
+                <a16:creationId xmlns:a16="http://schemas.microsoft.com/office/drawing/2014/main" id="{D01BC7CC-44F7-480F-95E4-B02810CBA1AD}"/>
+              </a:ext>
+            </a:extLst>
+          </p:cNvPr>
+          <p:cNvCxnSpPr>
+            <a:cxnSpLocks/>
+          </p:cNvCxnSpPr>
+          <p:nvPr/>
+        </p:nvCxnSpPr>
+        <p:spPr>
+          <a:xfrm>
+            <a:off x="1573238" y="3694680"/>
+            <a:ext cx="4926036" cy="1926061"/>
+          </a:xfrm>
+          <a:prstGeom prst="line">
+            <a:avLst/>
+          </a:prstGeom>
+          <a:ln w="19050">
+            <a:solidFill>
+              <a:srgbClr val="00B0F0"/>
+            </a:solidFill>
+          </a:ln>
+        </p:spPr>
+        <p:style>
+          <a:lnRef idx="1">
+            <a:schemeClr val="accent2"/>
+          </a:lnRef>
+          <a:fillRef idx="0">
+            <a:schemeClr val="accent2"/>
+          </a:fillRef>
+          <a:effectRef idx="0">
+            <a:schemeClr val="accent2"/>
+          </a:effectRef>
+          <a:fontRef idx="minor">
+            <a:schemeClr val="tx1"/>
+          </a:fontRef>
+        </p:style>
+      </p:cxnSp>
+      <p:cxnSp>
+        <p:nvCxnSpPr>
+          <p:cNvPr id="25" name="直接连接符 24">
+            <a:extLst>
+              <a:ext uri="{FF2B5EF4-FFF2-40B4-BE49-F238E27FC236}">
+                <a16:creationId xmlns:a16="http://schemas.microsoft.com/office/drawing/2014/main" id="{E3FAF293-DD68-455E-800D-4C9B787337EE}"/>
+              </a:ext>
+            </a:extLst>
+          </p:cNvPr>
+          <p:cNvCxnSpPr>
+            <a:cxnSpLocks/>
+          </p:cNvCxnSpPr>
+          <p:nvPr/>
+        </p:nvCxnSpPr>
+        <p:spPr>
+          <a:xfrm>
+            <a:off x="1934511" y="4041900"/>
+            <a:ext cx="4535556" cy="1925143"/>
+          </a:xfrm>
+          <a:prstGeom prst="line">
+            <a:avLst/>
+          </a:prstGeom>
+          <a:ln w="19050">
+            <a:solidFill>
+              <a:schemeClr val="tx1"/>
+            </a:solidFill>
+          </a:ln>
+        </p:spPr>
+        <p:style>
+          <a:lnRef idx="1">
+            <a:schemeClr val="accent2"/>
+          </a:lnRef>
+          <a:fillRef idx="0">
+            <a:schemeClr val="accent2"/>
+          </a:fillRef>
+          <a:effectRef idx="0">
+            <a:schemeClr val="accent2"/>
+          </a:effectRef>
+          <a:fontRef idx="minor">
+            <a:schemeClr val="tx1"/>
+          </a:fontRef>
+        </p:style>
+      </p:cxnSp>
       <p:sp>
         <p:nvSpPr>
-          <p:cNvPr id="5" name="Content Placeholder 4">
+          <p:cNvPr id="33" name="文本框 32">
             <a:extLst>
               <a:ext uri="{FF2B5EF4-FFF2-40B4-BE49-F238E27FC236}">
-                <a16:creationId xmlns:a16="http://schemas.microsoft.com/office/drawing/2014/main" id="{548E257E-3879-483F-A4F2-68A99A4D60F9}"/>
+                <a16:creationId xmlns:a16="http://schemas.microsoft.com/office/drawing/2014/main" id="{1231DD4B-FB7E-4247-8621-C625224C9A5B}"/>
               </a:ext>
             </a:extLst>
           </p:cNvPr>
-          <p:cNvSpPr>
-            <a:spLocks noGrp="1"/>
-          </p:cNvSpPr>
-          <p:nvPr>
-            <p:ph idx="1"/>
-          </p:nvPr>
+          <p:cNvSpPr txBox="1"/>
+          <p:nvPr/>
         </p:nvSpPr>
-        <p:spPr/>
+        <p:spPr>
+          <a:xfrm>
+            <a:off x="6095999" y="3642509"/>
+            <a:ext cx="2921391" cy="369332"/>
+          </a:xfrm>
+          <a:prstGeom prst="rect">
+            <a:avLst/>
+          </a:prstGeom>
+          <a:noFill/>
+        </p:spPr>
         <p:txBody>
-          <a:bodyPr/>
+          <a:bodyPr wrap="square" rtlCol="0">
+            <a:spAutoFit/>
+          </a:bodyPr>
           <a:lstStyle/>
           <a:p>
-            <a:endParaRPr lang="en-US" dirty="0"/>
+            <a:r>
+              <a:rPr lang="en-US" altLang="zh-CN" b="1" i="1" dirty="0" err="1"/>
+              <a:t>Mapview</a:t>
+            </a:r>
+            <a:r>
+              <a:rPr lang="en-US" altLang="zh-CN" b="1" i="1" dirty="0"/>
+              <a:t> and </a:t>
+            </a:r>
+            <a:r>
+              <a:rPr lang="en-US" altLang="zh-CN" b="1" i="1" dirty="0" err="1"/>
+              <a:t>ggplot</a:t>
+            </a:r>
+            <a:endParaRPr lang="zh-CN" altLang="en-US" b="1" i="1" dirty="0"/>
           </a:p>
         </p:txBody>
       </p:sp>
@@ -4577,6 +4981,717 @@
 </file>
 
 <file path=ppt/slides/slide11.xml><?xml version="1.0" encoding="utf-8"?>
+<p:sld xmlns:a="http://schemas.openxmlformats.org/drawingml/2006/main" xmlns:r="http://schemas.openxmlformats.org/officeDocument/2006/relationships" xmlns:p="http://schemas.openxmlformats.org/presentationml/2006/main">
+  <p:cSld>
+    <p:spTree>
+      <p:nvGrpSpPr>
+        <p:cNvPr id="1" name=""/>
+        <p:cNvGrpSpPr/>
+        <p:nvPr/>
+      </p:nvGrpSpPr>
+      <p:grpSpPr>
+        <a:xfrm>
+          <a:off x="0" y="0"/>
+          <a:ext cx="0" cy="0"/>
+          <a:chOff x="0" y="0"/>
+          <a:chExt cx="0" cy="0"/>
+        </a:xfrm>
+      </p:grpSpPr>
+      <p:pic>
+        <p:nvPicPr>
+          <p:cNvPr id="3" name="图片 2">
+            <a:extLst>
+              <a:ext uri="{FF2B5EF4-FFF2-40B4-BE49-F238E27FC236}">
+                <a16:creationId xmlns:a16="http://schemas.microsoft.com/office/drawing/2014/main" id="{33CE8FB0-663A-44CE-992B-3A8C7AAB6E23}"/>
+              </a:ext>
+            </a:extLst>
+          </p:cNvPr>
+          <p:cNvPicPr>
+            <a:picLocks noChangeAspect="1"/>
+          </p:cNvPicPr>
+          <p:nvPr/>
+        </p:nvPicPr>
+        <p:blipFill>
+          <a:blip r:embed="rId2"/>
+          <a:stretch>
+            <a:fillRect/>
+          </a:stretch>
+        </p:blipFill>
+        <p:spPr>
+          <a:xfrm>
+            <a:off x="0" y="814903"/>
+            <a:ext cx="6391275" cy="4876800"/>
+          </a:xfrm>
+          <a:prstGeom prst="rect">
+            <a:avLst/>
+          </a:prstGeom>
+        </p:spPr>
+      </p:pic>
+      <p:sp>
+        <p:nvSpPr>
+          <p:cNvPr id="20" name="文本框 19">
+            <a:extLst>
+              <a:ext uri="{FF2B5EF4-FFF2-40B4-BE49-F238E27FC236}">
+                <a16:creationId xmlns:a16="http://schemas.microsoft.com/office/drawing/2014/main" id="{5290AC28-FA00-4D98-9F0D-0822DB67A958}"/>
+              </a:ext>
+            </a:extLst>
+          </p:cNvPr>
+          <p:cNvSpPr txBox="1"/>
+          <p:nvPr/>
+        </p:nvSpPr>
+        <p:spPr>
+          <a:xfrm>
+            <a:off x="6258385" y="1721376"/>
+            <a:ext cx="5933615" cy="1711366"/>
+          </a:xfrm>
+          <a:prstGeom prst="rect">
+            <a:avLst/>
+          </a:prstGeom>
+          <a:noFill/>
+        </p:spPr>
+        <p:txBody>
+          <a:bodyPr wrap="square">
+            <a:spAutoFit/>
+          </a:bodyPr>
+          <a:lstStyle/>
+          <a:p>
+            <a:pPr marL="285750" indent="-285750">
+              <a:lnSpc>
+                <a:spcPct val="150000"/>
+              </a:lnSpc>
+              <a:buFont typeface="Wingdings" panose="05000000000000000000" pitchFamily="2" charset="2"/>
+              <a:buChar char="Ø"/>
+            </a:pPr>
+            <a:r>
+              <a:rPr lang="en-US" altLang="zh-CN" dirty="0"/>
+              <a:t>Only in three counties/locations, light radiation decreased after the implementation of ordinance </a:t>
+            </a:r>
+          </a:p>
+          <a:p>
+            <a:pPr>
+              <a:lnSpc>
+                <a:spcPct val="150000"/>
+              </a:lnSpc>
+            </a:pPr>
+            <a:r>
+              <a:rPr lang="en-US" altLang="zh-CN" b="1" dirty="0"/>
+              <a:t>Sea Turtle Lighting Ordinance only works for a few counties</a:t>
+            </a:r>
+          </a:p>
+          <a:p>
+            <a:pPr>
+              <a:lnSpc>
+                <a:spcPct val="150000"/>
+              </a:lnSpc>
+            </a:pPr>
+            <a:r>
+              <a:rPr lang="en-US" altLang="zh-CN" b="1" dirty="0"/>
+              <a:t> </a:t>
+            </a:r>
+          </a:p>
+        </p:txBody>
+      </p:sp>
+      <p:sp>
+        <p:nvSpPr>
+          <p:cNvPr id="33" name="文本框 32">
+            <a:extLst>
+              <a:ext uri="{FF2B5EF4-FFF2-40B4-BE49-F238E27FC236}">
+                <a16:creationId xmlns:a16="http://schemas.microsoft.com/office/drawing/2014/main" id="{1231DD4B-FB7E-4247-8621-C625224C9A5B}"/>
+              </a:ext>
+            </a:extLst>
+          </p:cNvPr>
+          <p:cNvSpPr txBox="1"/>
+          <p:nvPr/>
+        </p:nvSpPr>
+        <p:spPr>
+          <a:xfrm>
+            <a:off x="1858862" y="270474"/>
+            <a:ext cx="7174524" cy="369332"/>
+          </a:xfrm>
+          <a:prstGeom prst="rect">
+            <a:avLst/>
+          </a:prstGeom>
+          <a:noFill/>
+        </p:spPr>
+        <p:txBody>
+          <a:bodyPr wrap="square" rtlCol="0">
+            <a:spAutoFit/>
+          </a:bodyPr>
+          <a:lstStyle/>
+          <a:p>
+            <a:r>
+              <a:rPr lang="en-US" altLang="zh-CN" i="1" dirty="0"/>
+              <a:t>Mean value of light radiance </a:t>
+            </a:r>
+            <a:r>
+              <a:rPr lang="en-US" altLang="zh-CN" b="1" i="1" dirty="0"/>
+              <a:t>(before</a:t>
+            </a:r>
+            <a:endParaRPr lang="zh-CN" altLang="en-US" i="1" dirty="0"/>
+          </a:p>
+        </p:txBody>
+      </p:sp>
+      <p:sp>
+        <p:nvSpPr>
+          <p:cNvPr id="12" name="文本框 11">
+            <a:extLst>
+              <a:ext uri="{FF2B5EF4-FFF2-40B4-BE49-F238E27FC236}">
+                <a16:creationId xmlns:a16="http://schemas.microsoft.com/office/drawing/2014/main" id="{E40F5E0B-2EB7-49A6-BB0E-40B6E72FE427}"/>
+              </a:ext>
+            </a:extLst>
+          </p:cNvPr>
+          <p:cNvSpPr txBox="1"/>
+          <p:nvPr/>
+        </p:nvSpPr>
+        <p:spPr>
+          <a:xfrm>
+            <a:off x="6096000" y="270474"/>
+            <a:ext cx="7174524" cy="369332"/>
+          </a:xfrm>
+          <a:prstGeom prst="rect">
+            <a:avLst/>
+          </a:prstGeom>
+          <a:noFill/>
+        </p:spPr>
+        <p:txBody>
+          <a:bodyPr wrap="square" rtlCol="0">
+            <a:spAutoFit/>
+          </a:bodyPr>
+          <a:lstStyle/>
+          <a:p>
+            <a:r>
+              <a:rPr lang="en-US" altLang="zh-CN" b="1" i="1" dirty="0"/>
+              <a:t>After)</a:t>
+            </a:r>
+            <a:r>
+              <a:rPr lang="en-US" altLang="zh-CN" i="1" dirty="0"/>
+              <a:t> implementing the ordinance</a:t>
+            </a:r>
+            <a:endParaRPr lang="zh-CN" altLang="en-US" i="1" dirty="0"/>
+          </a:p>
+        </p:txBody>
+      </p:sp>
+      <p:sp>
+        <p:nvSpPr>
+          <p:cNvPr id="4" name="减号 3">
+            <a:extLst>
+              <a:ext uri="{FF2B5EF4-FFF2-40B4-BE49-F238E27FC236}">
+                <a16:creationId xmlns:a16="http://schemas.microsoft.com/office/drawing/2014/main" id="{2C3B36C1-0DD4-4FA9-8E81-7D7DCDAAC809}"/>
+              </a:ext>
+            </a:extLst>
+          </p:cNvPr>
+          <p:cNvSpPr/>
+          <p:nvPr/>
+        </p:nvSpPr>
+        <p:spPr>
+          <a:xfrm>
+            <a:off x="5424643" y="270474"/>
+            <a:ext cx="671357" cy="369332"/>
+          </a:xfrm>
+          <a:prstGeom prst="mathMinus">
+            <a:avLst/>
+          </a:prstGeom>
+          <a:solidFill>
+            <a:srgbClr val="FF0000"/>
+          </a:solidFill>
+        </p:spPr>
+        <p:style>
+          <a:lnRef idx="2">
+            <a:schemeClr val="accent1">
+              <a:shade val="50000"/>
+            </a:schemeClr>
+          </a:lnRef>
+          <a:fillRef idx="1">
+            <a:schemeClr val="accent1"/>
+          </a:fillRef>
+          <a:effectRef idx="0">
+            <a:schemeClr val="accent1"/>
+          </a:effectRef>
+          <a:fontRef idx="minor">
+            <a:schemeClr val="lt1"/>
+          </a:fontRef>
+        </p:style>
+        <p:txBody>
+          <a:bodyPr rtlCol="0" anchor="ctr"/>
+          <a:lstStyle/>
+          <a:p>
+            <a:pPr algn="ctr"/>
+            <a:endParaRPr lang="zh-CN" altLang="en-US"/>
+          </a:p>
+        </p:txBody>
+      </p:sp>
+      <p:sp>
+        <p:nvSpPr>
+          <p:cNvPr id="14" name="文本框 13">
+            <a:extLst>
+              <a:ext uri="{FF2B5EF4-FFF2-40B4-BE49-F238E27FC236}">
+                <a16:creationId xmlns:a16="http://schemas.microsoft.com/office/drawing/2014/main" id="{081CB51D-B6C6-4111-B8F3-B99101EB641F}"/>
+              </a:ext>
+            </a:extLst>
+          </p:cNvPr>
+          <p:cNvSpPr txBox="1"/>
+          <p:nvPr/>
+        </p:nvSpPr>
+        <p:spPr>
+          <a:xfrm>
+            <a:off x="160415" y="214738"/>
+            <a:ext cx="532760" cy="461665"/>
+          </a:xfrm>
+          <a:prstGeom prst="rect">
+            <a:avLst/>
+          </a:prstGeom>
+          <a:noFill/>
+        </p:spPr>
+        <p:txBody>
+          <a:bodyPr wrap="square" rtlCol="0">
+            <a:spAutoFit/>
+          </a:bodyPr>
+          <a:lstStyle/>
+          <a:p>
+            <a:r>
+              <a:rPr lang="en-US" altLang="zh-CN" sz="2400" b="1" i="1" dirty="0" err="1"/>
+              <a:t>dif</a:t>
+            </a:r>
+            <a:endParaRPr lang="zh-CN" altLang="en-US" sz="2400" i="1" dirty="0"/>
+          </a:p>
+        </p:txBody>
+      </p:sp>
+      <p:sp>
+        <p:nvSpPr>
+          <p:cNvPr id="5" name="等号 4">
+            <a:extLst>
+              <a:ext uri="{FF2B5EF4-FFF2-40B4-BE49-F238E27FC236}">
+                <a16:creationId xmlns:a16="http://schemas.microsoft.com/office/drawing/2014/main" id="{FF15B5E8-95B7-4524-9C5A-EFA4F79424A6}"/>
+              </a:ext>
+            </a:extLst>
+          </p:cNvPr>
+          <p:cNvSpPr/>
+          <p:nvPr/>
+        </p:nvSpPr>
+        <p:spPr>
+          <a:xfrm>
+            <a:off x="966328" y="307071"/>
+            <a:ext cx="532761" cy="263448"/>
+          </a:xfrm>
+          <a:prstGeom prst="mathEqual">
+            <a:avLst/>
+          </a:prstGeom>
+        </p:spPr>
+        <p:style>
+          <a:lnRef idx="2">
+            <a:schemeClr val="accent1">
+              <a:shade val="50000"/>
+            </a:schemeClr>
+          </a:lnRef>
+          <a:fillRef idx="1">
+            <a:schemeClr val="accent1"/>
+          </a:fillRef>
+          <a:effectRef idx="0">
+            <a:schemeClr val="accent1"/>
+          </a:effectRef>
+          <a:fontRef idx="minor">
+            <a:schemeClr val="lt1"/>
+          </a:fontRef>
+        </p:style>
+        <p:txBody>
+          <a:bodyPr rtlCol="0" anchor="ctr"/>
+          <a:lstStyle/>
+          <a:p>
+            <a:pPr algn="ctr"/>
+            <a:endParaRPr lang="zh-CN" altLang="en-US">
+              <a:solidFill>
+                <a:schemeClr val="tx1"/>
+              </a:solidFill>
+            </a:endParaRPr>
+          </a:p>
+        </p:txBody>
+      </p:sp>
+      <p:sp>
+        <p:nvSpPr>
+          <p:cNvPr id="17" name="文本框 16">
+            <a:extLst>
+              <a:ext uri="{FF2B5EF4-FFF2-40B4-BE49-F238E27FC236}">
+                <a16:creationId xmlns:a16="http://schemas.microsoft.com/office/drawing/2014/main" id="{43126B89-ACBF-4B14-BF43-FE1FD34EE74E}"/>
+              </a:ext>
+            </a:extLst>
+          </p:cNvPr>
+          <p:cNvSpPr txBox="1"/>
+          <p:nvPr/>
+        </p:nvSpPr>
+        <p:spPr>
+          <a:xfrm>
+            <a:off x="6258085" y="3866524"/>
+            <a:ext cx="6067105" cy="1107996"/>
+          </a:xfrm>
+          <a:prstGeom prst="rect">
+            <a:avLst/>
+          </a:prstGeom>
+          <a:noFill/>
+        </p:spPr>
+        <p:txBody>
+          <a:bodyPr wrap="square" rtlCol="0">
+            <a:spAutoFit/>
+          </a:bodyPr>
+          <a:lstStyle/>
+          <a:p>
+            <a:r>
+              <a:rPr lang="en-US" altLang="zh-CN" sz="2400" b="1" i="1" dirty="0" err="1"/>
+              <a:t>Meanvalue.x</a:t>
+            </a:r>
+            <a:r>
+              <a:rPr lang="en-US" altLang="zh-CN" sz="2400" b="1" i="1" dirty="0"/>
+              <a:t> </a:t>
+            </a:r>
+            <a:r>
+              <a:rPr lang="en-US" altLang="zh-CN" sz="2400" i="1" dirty="0"/>
+              <a:t>: </a:t>
+            </a:r>
+            <a:r>
+              <a:rPr lang="en-US" altLang="zh-CN" i="1" dirty="0"/>
+              <a:t>the mean value of light radiance before implementing the ordinance </a:t>
+            </a:r>
+            <a:r>
+              <a:rPr lang="en-US" altLang="zh-CN" b="1" i="1" dirty="0"/>
+              <a:t>(baseline)</a:t>
+            </a:r>
+          </a:p>
+          <a:p>
+            <a:r>
+              <a:rPr lang="en-US" altLang="zh-CN" sz="2400" i="1" dirty="0"/>
+              <a:t> </a:t>
+            </a:r>
+            <a:endParaRPr lang="zh-CN" altLang="en-US" sz="2400" i="1" dirty="0"/>
+          </a:p>
+        </p:txBody>
+      </p:sp>
+      <p:sp>
+        <p:nvSpPr>
+          <p:cNvPr id="18" name="文本框 17">
+            <a:extLst>
+              <a:ext uri="{FF2B5EF4-FFF2-40B4-BE49-F238E27FC236}">
+                <a16:creationId xmlns:a16="http://schemas.microsoft.com/office/drawing/2014/main" id="{A33458C3-B88C-46E0-96CE-AB1DA70F9E0B}"/>
+              </a:ext>
+            </a:extLst>
+          </p:cNvPr>
+          <p:cNvSpPr txBox="1"/>
+          <p:nvPr/>
+        </p:nvSpPr>
+        <p:spPr>
+          <a:xfrm>
+            <a:off x="6258384" y="4731136"/>
+            <a:ext cx="5933615" cy="2126864"/>
+          </a:xfrm>
+          <a:prstGeom prst="rect">
+            <a:avLst/>
+          </a:prstGeom>
+          <a:noFill/>
+        </p:spPr>
+        <p:txBody>
+          <a:bodyPr wrap="square">
+            <a:spAutoFit/>
+          </a:bodyPr>
+          <a:lstStyle/>
+          <a:p>
+            <a:pPr marL="285750" indent="-285750">
+              <a:lnSpc>
+                <a:spcPct val="150000"/>
+              </a:lnSpc>
+              <a:buFont typeface="Wingdings" panose="05000000000000000000" pitchFamily="2" charset="2"/>
+              <a:buChar char="Ø"/>
+            </a:pPr>
+            <a:r>
+              <a:rPr lang="en-US" altLang="zh-CN" dirty="0"/>
+              <a:t>High </a:t>
+            </a:r>
+            <a:r>
+              <a:rPr lang="en-US" altLang="zh-CN" dirty="0" err="1"/>
+              <a:t>meanvalue.x</a:t>
+            </a:r>
+            <a:r>
+              <a:rPr lang="en-US" altLang="zh-CN" dirty="0"/>
+              <a:t>                     small </a:t>
+            </a:r>
+            <a:r>
+              <a:rPr lang="en-US" altLang="zh-CN" dirty="0" err="1"/>
+              <a:t>dif</a:t>
+            </a:r>
+            <a:endParaRPr lang="en-US" altLang="zh-CN" dirty="0"/>
+          </a:p>
+          <a:p>
+            <a:pPr>
+              <a:lnSpc>
+                <a:spcPct val="150000"/>
+              </a:lnSpc>
+            </a:pPr>
+            <a:r>
+              <a:rPr lang="en-US" altLang="zh-CN" b="1" dirty="0"/>
+              <a:t>Further research (socioeconomic metrics vs.. light radiation) needed  </a:t>
+            </a:r>
+            <a:r>
+              <a:rPr lang="en-US" altLang="zh-CN" dirty="0"/>
+              <a:t>e.g., Larger pollution leads to high </a:t>
+            </a:r>
+            <a:r>
+              <a:rPr lang="en-US" altLang="zh-CN" dirty="0" err="1"/>
+              <a:t>meavalue.x</a:t>
+            </a:r>
+            <a:r>
+              <a:rPr lang="en-US" altLang="zh-CN" dirty="0"/>
+              <a:t> , then impedes the Sea Turtle Lighting Ordinance </a:t>
+            </a:r>
+            <a:endParaRPr lang="en-US" altLang="zh-CN" b="1" dirty="0"/>
+          </a:p>
+          <a:p>
+            <a:pPr>
+              <a:lnSpc>
+                <a:spcPct val="150000"/>
+              </a:lnSpc>
+            </a:pPr>
+            <a:r>
+              <a:rPr lang="en-US" altLang="zh-CN" b="1" dirty="0"/>
+              <a:t> </a:t>
+            </a:r>
+          </a:p>
+        </p:txBody>
+      </p:sp>
+      <p:sp>
+        <p:nvSpPr>
+          <p:cNvPr id="7" name="箭头: 右 6">
+            <a:extLst>
+              <a:ext uri="{FF2B5EF4-FFF2-40B4-BE49-F238E27FC236}">
+                <a16:creationId xmlns:a16="http://schemas.microsoft.com/office/drawing/2014/main" id="{F21D32E1-64CB-46E2-9D0D-1EDB9584E2B3}"/>
+              </a:ext>
+            </a:extLst>
+          </p:cNvPr>
+          <p:cNvSpPr/>
+          <p:nvPr/>
+        </p:nvSpPr>
+        <p:spPr>
+          <a:xfrm>
+            <a:off x="8480396" y="4928134"/>
+            <a:ext cx="766916" cy="269985"/>
+          </a:xfrm>
+          <a:prstGeom prst="rightArrow">
+            <a:avLst/>
+          </a:prstGeom>
+        </p:spPr>
+        <p:style>
+          <a:lnRef idx="2">
+            <a:schemeClr val="accent1">
+              <a:shade val="50000"/>
+            </a:schemeClr>
+          </a:lnRef>
+          <a:fillRef idx="1">
+            <a:schemeClr val="accent1"/>
+          </a:fillRef>
+          <a:effectRef idx="0">
+            <a:schemeClr val="accent1"/>
+          </a:effectRef>
+          <a:fontRef idx="minor">
+            <a:schemeClr val="lt1"/>
+          </a:fontRef>
+        </p:style>
+        <p:txBody>
+          <a:bodyPr rtlCol="0" anchor="ctr"/>
+          <a:lstStyle/>
+          <a:p>
+            <a:pPr algn="ctr"/>
+            <a:endParaRPr lang="zh-CN" altLang="en-US"/>
+          </a:p>
+        </p:txBody>
+      </p:sp>
+      <p:cxnSp>
+        <p:nvCxnSpPr>
+          <p:cNvPr id="19" name="直接连接符 18">
+            <a:extLst>
+              <a:ext uri="{FF2B5EF4-FFF2-40B4-BE49-F238E27FC236}">
+                <a16:creationId xmlns:a16="http://schemas.microsoft.com/office/drawing/2014/main" id="{DFB46DEB-AE12-4018-A6A2-61178D04AA9C}"/>
+              </a:ext>
+            </a:extLst>
+          </p:cNvPr>
+          <p:cNvCxnSpPr>
+            <a:cxnSpLocks/>
+          </p:cNvCxnSpPr>
+          <p:nvPr/>
+        </p:nvCxnSpPr>
+        <p:spPr>
+          <a:xfrm>
+            <a:off x="4757226" y="4199424"/>
+            <a:ext cx="1500859" cy="775096"/>
+          </a:xfrm>
+          <a:prstGeom prst="line">
+            <a:avLst/>
+          </a:prstGeom>
+          <a:ln w="19050">
+            <a:solidFill>
+              <a:srgbClr val="00B0F0"/>
+            </a:solidFill>
+          </a:ln>
+        </p:spPr>
+        <p:style>
+          <a:lnRef idx="1">
+            <a:schemeClr val="accent2"/>
+          </a:lnRef>
+          <a:fillRef idx="0">
+            <a:schemeClr val="accent2"/>
+          </a:fillRef>
+          <a:effectRef idx="0">
+            <a:schemeClr val="accent2"/>
+          </a:effectRef>
+          <a:fontRef idx="minor">
+            <a:schemeClr val="tx1"/>
+          </a:fontRef>
+        </p:style>
+      </p:cxnSp>
+      <p:cxnSp>
+        <p:nvCxnSpPr>
+          <p:cNvPr id="21" name="直接连接符 20">
+            <a:extLst>
+              <a:ext uri="{FF2B5EF4-FFF2-40B4-BE49-F238E27FC236}">
+                <a16:creationId xmlns:a16="http://schemas.microsoft.com/office/drawing/2014/main" id="{35E66FCE-399E-4F8E-B6C6-F793DDCDAFB6}"/>
+              </a:ext>
+            </a:extLst>
+          </p:cNvPr>
+          <p:cNvCxnSpPr>
+            <a:cxnSpLocks/>
+          </p:cNvCxnSpPr>
+          <p:nvPr/>
+        </p:nvCxnSpPr>
+        <p:spPr>
+          <a:xfrm flipV="1">
+            <a:off x="3451123" y="1983044"/>
+            <a:ext cx="2806962" cy="1240489"/>
+          </a:xfrm>
+          <a:prstGeom prst="line">
+            <a:avLst/>
+          </a:prstGeom>
+          <a:ln w="19050">
+            <a:solidFill>
+              <a:schemeClr val="accent6">
+                <a:lumMod val="75000"/>
+              </a:schemeClr>
+            </a:solidFill>
+          </a:ln>
+        </p:spPr>
+        <p:style>
+          <a:lnRef idx="1">
+            <a:schemeClr val="accent2"/>
+          </a:lnRef>
+          <a:fillRef idx="0">
+            <a:schemeClr val="accent2"/>
+          </a:fillRef>
+          <a:effectRef idx="0">
+            <a:schemeClr val="accent2"/>
+          </a:effectRef>
+          <a:fontRef idx="minor">
+            <a:schemeClr val="tx1"/>
+          </a:fontRef>
+        </p:style>
+      </p:cxnSp>
+      <p:cxnSp>
+        <p:nvCxnSpPr>
+          <p:cNvPr id="24" name="直接连接符 23">
+            <a:extLst>
+              <a:ext uri="{FF2B5EF4-FFF2-40B4-BE49-F238E27FC236}">
+                <a16:creationId xmlns:a16="http://schemas.microsoft.com/office/drawing/2014/main" id="{E0A46129-CBEF-4F66-9EDB-1F5FA641F858}"/>
+              </a:ext>
+            </a:extLst>
+          </p:cNvPr>
+          <p:cNvCxnSpPr>
+            <a:cxnSpLocks/>
+          </p:cNvCxnSpPr>
+          <p:nvPr/>
+        </p:nvCxnSpPr>
+        <p:spPr>
+          <a:xfrm>
+            <a:off x="1921032" y="1747997"/>
+            <a:ext cx="4337053" cy="235047"/>
+          </a:xfrm>
+          <a:prstGeom prst="line">
+            <a:avLst/>
+          </a:prstGeom>
+          <a:ln w="19050">
+            <a:solidFill>
+              <a:schemeClr val="accent6">
+                <a:lumMod val="75000"/>
+              </a:schemeClr>
+            </a:solidFill>
+          </a:ln>
+        </p:spPr>
+        <p:style>
+          <a:lnRef idx="1">
+            <a:schemeClr val="accent2"/>
+          </a:lnRef>
+          <a:fillRef idx="0">
+            <a:schemeClr val="accent2"/>
+          </a:fillRef>
+          <a:effectRef idx="0">
+            <a:schemeClr val="accent2"/>
+          </a:effectRef>
+          <a:fontRef idx="minor">
+            <a:schemeClr val="tx1"/>
+          </a:fontRef>
+        </p:style>
+      </p:cxnSp>
+      <p:cxnSp>
+        <p:nvCxnSpPr>
+          <p:cNvPr id="26" name="直接连接符 25">
+            <a:extLst>
+              <a:ext uri="{FF2B5EF4-FFF2-40B4-BE49-F238E27FC236}">
+                <a16:creationId xmlns:a16="http://schemas.microsoft.com/office/drawing/2014/main" id="{22F88297-BD1F-4F00-B0EC-CEF7A6145FE0}"/>
+              </a:ext>
+            </a:extLst>
+          </p:cNvPr>
+          <p:cNvCxnSpPr>
+            <a:cxnSpLocks/>
+          </p:cNvCxnSpPr>
+          <p:nvPr/>
+        </p:nvCxnSpPr>
+        <p:spPr>
+          <a:xfrm>
+            <a:off x="1282596" y="1428886"/>
+            <a:ext cx="4975489" cy="541239"/>
+          </a:xfrm>
+          <a:prstGeom prst="line">
+            <a:avLst/>
+          </a:prstGeom>
+          <a:ln w="19050">
+            <a:solidFill>
+              <a:schemeClr val="accent6">
+                <a:lumMod val="75000"/>
+              </a:schemeClr>
+            </a:solidFill>
+          </a:ln>
+        </p:spPr>
+        <p:style>
+          <a:lnRef idx="1">
+            <a:schemeClr val="accent2"/>
+          </a:lnRef>
+          <a:fillRef idx="0">
+            <a:schemeClr val="accent2"/>
+          </a:fillRef>
+          <a:effectRef idx="0">
+            <a:schemeClr val="accent2"/>
+          </a:effectRef>
+          <a:fontRef idx="minor">
+            <a:schemeClr val="tx1"/>
+          </a:fontRef>
+        </p:style>
+      </p:cxnSp>
+    </p:spTree>
+    <p:extLst>
+      <p:ext uri="{BB962C8B-B14F-4D97-AF65-F5344CB8AC3E}">
+        <p14:creationId xmlns:p14="http://schemas.microsoft.com/office/powerpoint/2010/main" val="4280826195"/>
+      </p:ext>
+    </p:extLst>
+  </p:cSld>
+  <p:clrMapOvr>
+    <a:masterClrMapping/>
+  </p:clrMapOvr>
+</p:sld>
+</file>
+
+<file path=ppt/slides/slide12.xml><?xml version="1.0" encoding="utf-8"?>
 <p:sld xmlns:a="http://schemas.openxmlformats.org/drawingml/2006/main" xmlns:r="http://schemas.openxmlformats.org/officeDocument/2006/relationships" xmlns:p="http://schemas.openxmlformats.org/presentationml/2006/main">
   <p:cSld>
     <p:bg>
@@ -9560,7 +10675,7 @@
 </p:sld>
 </file>
 
-<file path=ppt/slides/slide12.xml><?xml version="1.0" encoding="utf-8"?>
+<file path=ppt/slides/slide13.xml><?xml version="1.0" encoding="utf-8"?>
 <p:sld xmlns:a="http://schemas.openxmlformats.org/drawingml/2006/main" xmlns:r="http://schemas.openxmlformats.org/officeDocument/2006/relationships" xmlns:p="http://schemas.openxmlformats.org/presentationml/2006/main">
   <p:cSld>
     <p:spTree>
@@ -9650,7 +10765,7 @@
 </p:sld>
 </file>
 
-<file path=ppt/slides/slide13.xml><?xml version="1.0" encoding="utf-8"?>
+<file path=ppt/slides/slide14.xml><?xml version="1.0" encoding="utf-8"?>
 <p:sld xmlns:a="http://schemas.openxmlformats.org/drawingml/2006/main" xmlns:r="http://schemas.openxmlformats.org/officeDocument/2006/relationships" xmlns:p="http://schemas.openxmlformats.org/presentationml/2006/main">
   <p:cSld>
     <p:bg>
@@ -10074,7 +11189,7 @@
 </p:sld>
 </file>
 
-<file path=ppt/slides/slide14.xml><?xml version="1.0" encoding="utf-8"?>
+<file path=ppt/slides/slide15.xml><?xml version="1.0" encoding="utf-8"?>
 <p:sld xmlns:a="http://schemas.openxmlformats.org/drawingml/2006/main" xmlns:r="http://schemas.openxmlformats.org/officeDocument/2006/relationships" xmlns:p="http://schemas.openxmlformats.org/presentationml/2006/main">
   <p:cSld>
     <p:spTree>
@@ -10164,7 +11279,7 @@
 </p:sld>
 </file>
 
-<file path=ppt/slides/slide15.xml><?xml version="1.0" encoding="utf-8"?>
+<file path=ppt/slides/slide16.xml><?xml version="1.0" encoding="utf-8"?>
 <p:sld xmlns:a="http://schemas.openxmlformats.org/drawingml/2006/main" xmlns:r="http://schemas.openxmlformats.org/officeDocument/2006/relationships" xmlns:p="http://schemas.openxmlformats.org/presentationml/2006/main">
   <p:cSld>
     <p:spTree>
@@ -10453,7 +11568,7 @@
 </p:sld>
 </file>
 
-<file path=ppt/slides/slide16.xml><?xml version="1.0" encoding="utf-8"?>
+<file path=ppt/slides/slide17.xml><?xml version="1.0" encoding="utf-8"?>
 <p:sld xmlns:a="http://schemas.openxmlformats.org/drawingml/2006/main" xmlns:r="http://schemas.openxmlformats.org/officeDocument/2006/relationships" xmlns:p="http://schemas.openxmlformats.org/presentationml/2006/main">
   <p:cSld>
     <p:bg>

--- a/Output/FinalPresentation_ENV872.pptx
+++ b/Output/FinalPresentation_ENV872.pptx
@@ -613,7 +613,7 @@
           <a:p>
             <a:r>
               <a:rPr lang="en-US" altLang="zh-CN" dirty="0"/>
-              <a:t>Data wrangling before conducting spatial analysis</a:t>
+              <a:t>Data wrangling before we conducting spatial analysis</a:t>
             </a:r>
             <a:endParaRPr lang="zh-CN" altLang="en-US" dirty="0"/>
           </a:p>
@@ -4967,6 +4967,114 @@
           </a:p>
         </p:txBody>
       </p:sp>
+      <p:sp>
+        <p:nvSpPr>
+          <p:cNvPr id="2" name="文本框 1">
+            <a:extLst>
+              <a:ext uri="{FF2B5EF4-FFF2-40B4-BE49-F238E27FC236}">
+                <a16:creationId xmlns:a16="http://schemas.microsoft.com/office/drawing/2014/main" id="{C6CC07D7-4E0F-4C21-AA82-0766557A4282}"/>
+              </a:ext>
+            </a:extLst>
+          </p:cNvPr>
+          <p:cNvSpPr txBox="1"/>
+          <p:nvPr/>
+        </p:nvSpPr>
+        <p:spPr>
+          <a:xfrm>
+            <a:off x="-17954" y="2745174"/>
+            <a:ext cx="1366204" cy="461665"/>
+          </a:xfrm>
+          <a:prstGeom prst="rect">
+            <a:avLst/>
+          </a:prstGeom>
+          <a:noFill/>
+        </p:spPr>
+        <p:txBody>
+          <a:bodyPr wrap="square" rtlCol="0">
+            <a:spAutoFit/>
+          </a:bodyPr>
+          <a:lstStyle/>
+          <a:p>
+            <a:r>
+              <a:rPr lang="en-US" altLang="zh-CN" sz="2400" dirty="0"/>
+              <a:t>1993</a:t>
+            </a:r>
+            <a:endParaRPr lang="zh-CN" altLang="en-US" sz="2400" dirty="0"/>
+          </a:p>
+        </p:txBody>
+      </p:sp>
+      <p:sp>
+        <p:nvSpPr>
+          <p:cNvPr id="11" name="文本框 10">
+            <a:extLst>
+              <a:ext uri="{FF2B5EF4-FFF2-40B4-BE49-F238E27FC236}">
+                <a16:creationId xmlns:a16="http://schemas.microsoft.com/office/drawing/2014/main" id="{C2F55BF4-D9CF-43DC-84CF-11CEA7D7E99C}"/>
+              </a:ext>
+            </a:extLst>
+          </p:cNvPr>
+          <p:cNvSpPr txBox="1"/>
+          <p:nvPr/>
+        </p:nvSpPr>
+        <p:spPr>
+          <a:xfrm>
+            <a:off x="6104977" y="2897321"/>
+            <a:ext cx="1366204" cy="461665"/>
+          </a:xfrm>
+          <a:prstGeom prst="rect">
+            <a:avLst/>
+          </a:prstGeom>
+          <a:noFill/>
+        </p:spPr>
+        <p:txBody>
+          <a:bodyPr wrap="square" rtlCol="0">
+            <a:spAutoFit/>
+          </a:bodyPr>
+          <a:lstStyle/>
+          <a:p>
+            <a:r>
+              <a:rPr lang="en-US" altLang="zh-CN" sz="2400" dirty="0"/>
+              <a:t>2003</a:t>
+            </a:r>
+            <a:endParaRPr lang="zh-CN" altLang="en-US" sz="2400" dirty="0"/>
+          </a:p>
+        </p:txBody>
+      </p:sp>
+      <p:sp>
+        <p:nvSpPr>
+          <p:cNvPr id="12" name="文本框 11">
+            <a:extLst>
+              <a:ext uri="{FF2B5EF4-FFF2-40B4-BE49-F238E27FC236}">
+                <a16:creationId xmlns:a16="http://schemas.microsoft.com/office/drawing/2014/main" id="{1EB0A185-43FF-412E-93AE-FA0BC09D4B7A}"/>
+              </a:ext>
+            </a:extLst>
+          </p:cNvPr>
+          <p:cNvSpPr txBox="1"/>
+          <p:nvPr/>
+        </p:nvSpPr>
+        <p:spPr>
+          <a:xfrm>
+            <a:off x="-17954" y="6396335"/>
+            <a:ext cx="1366204" cy="461665"/>
+          </a:xfrm>
+          <a:prstGeom prst="rect">
+            <a:avLst/>
+          </a:prstGeom>
+          <a:noFill/>
+        </p:spPr>
+        <p:txBody>
+          <a:bodyPr wrap="square" rtlCol="0">
+            <a:spAutoFit/>
+          </a:bodyPr>
+          <a:lstStyle/>
+          <a:p>
+            <a:r>
+              <a:rPr lang="en-US" altLang="zh-CN" sz="2400" dirty="0"/>
+              <a:t>2013</a:t>
+            </a:r>
+            <a:endParaRPr lang="zh-CN" altLang="en-US" sz="2400" dirty="0"/>
+          </a:p>
+        </p:txBody>
+      </p:sp>
     </p:spTree>
     <p:extLst>
       <p:ext uri="{BB962C8B-B14F-4D97-AF65-F5344CB8AC3E}">
@@ -5429,7 +5537,15 @@
             </a:r>
             <a:r>
               <a:rPr lang="en-US" altLang="zh-CN" dirty="0"/>
-              <a:t>e.g., Larger pollution leads to high </a:t>
+              <a:t>e.g</a:t>
+            </a:r>
+            <a:r>
+              <a:rPr lang="en-US" altLang="zh-CN"/>
+              <a:t>., Large </a:t>
+            </a:r>
+            <a:r>
+              <a:rPr lang="en-US" altLang="zh-CN" dirty="0"/>
+              <a:t>population leads to high </a:t>
             </a:r>
             <a:r>
               <a:rPr lang="en-US" altLang="zh-CN" dirty="0" err="1"/>
